--- a/SchoolPresentationProject/Assets/Assets/Monster Scremble.pptx
+++ b/SchoolPresentationProject/Assets/Assets/Monster Scremble.pptx
@@ -12,7 +12,8 @@
     <p:sldId id="260" r:id="rId6"/>
     <p:sldId id="261" r:id="rId7"/>
     <p:sldId id="263" r:id="rId8"/>
-    <p:sldId id="262" r:id="rId9"/>
+    <p:sldId id="264" r:id="rId9"/>
+    <p:sldId id="262" r:id="rId10"/>
   </p:sldIdLst>
   <p:sldSz cx="12192000" cy="6858000"/>
   <p:notesSz cx="6858000" cy="9144000"/>
@@ -4587,6 +4588,7 @@
           </a:bodyPr>
           <a:lstStyle/>
           <a:p>
+            <a:pPr algn="l"/>
             <a:r>
               <a:rPr lang="en-US" altLang="ko-KR" sz="4000" dirty="0">
                 <a:latin typeface="G마켓 산스 TTF Bold" panose="02000000000000000000" pitchFamily="2" charset="-127"/>
@@ -4827,7 +4829,7 @@
         <p:spPr>
           <a:xfrm>
             <a:off x="1243542" y="1120677"/>
-            <a:ext cx="3414717" cy="3318794"/>
+            <a:ext cx="4479111" cy="3309239"/>
           </a:xfrm>
           <a:prstGeom prst="rect">
             <a:avLst/>
@@ -4892,7 +4894,7 @@
                 <a:latin typeface="Noto Sans KR Medium" panose="020B0600000000000000" pitchFamily="34" charset="-127"/>
                 <a:ea typeface="Noto Sans KR Medium" panose="020B0600000000000000" pitchFamily="34" charset="-127"/>
               </a:rPr>
-              <a:t>개발 기간</a:t>
+              <a:t>개발 기간과 사연</a:t>
             </a:r>
             <a:endParaRPr lang="en-US" altLang="ko-KR" sz="3600" dirty="0">
               <a:latin typeface="Noto Sans KR Medium" panose="020B0600000000000000" pitchFamily="34" charset="-127"/>
@@ -5733,17 +5735,37 @@
         </p:nvSpPr>
         <p:spPr/>
         <p:txBody>
-          <a:bodyPr/>
+          <a:bodyPr>
+            <a:normAutofit/>
+          </a:bodyPr>
           <a:lstStyle/>
           <a:p>
             <a:pPr algn="l"/>
             <a:r>
-              <a:rPr lang="ko-KR" altLang="en-US" b="1" dirty="0">
+              <a:rPr lang="ko-KR" altLang="en-US" b="1">
                 <a:latin typeface="Noto Sans KR Medium" panose="020B0600000000000000" pitchFamily="34" charset="-127"/>
                 <a:ea typeface="Noto Sans KR Medium" panose="020B0600000000000000" pitchFamily="34" charset="-127"/>
               </a:rPr>
-              <a:t>개발 기간</a:t>
-            </a:r>
+              <a:t>개발 중</a:t>
+            </a:r>
+            <a:r>
+              <a:rPr lang="en-US" altLang="ko-KR" b="1">
+                <a:latin typeface="Noto Sans KR Medium" panose="020B0600000000000000" pitchFamily="34" charset="-127"/>
+                <a:ea typeface="Noto Sans KR Medium" panose="020B0600000000000000" pitchFamily="34" charset="-127"/>
+              </a:rPr>
+              <a:t> </a:t>
+            </a:r>
+            <a:r>
+              <a:rPr lang="ko-KR" altLang="en-US" b="1">
+                <a:latin typeface="Noto Sans KR Medium" panose="020B0600000000000000" pitchFamily="34" charset="-127"/>
+                <a:ea typeface="Noto Sans KR Medium" panose="020B0600000000000000" pitchFamily="34" charset="-127"/>
+              </a:rPr>
+              <a:t>사연</a:t>
+            </a:r>
+            <a:endParaRPr lang="ko-KR" altLang="en-US" b="1" dirty="0">
+              <a:latin typeface="Noto Sans KR Medium" panose="020B0600000000000000" pitchFamily="34" charset="-127"/>
+              <a:ea typeface="Noto Sans KR Medium" panose="020B0600000000000000" pitchFamily="34" charset="-127"/>
+            </a:endParaRPr>
           </a:p>
         </p:txBody>
       </p:sp>
@@ -5864,41 +5886,11 @@
                 <a:latin typeface="Noto Sans KR Medium" panose="020B0600000000000000" pitchFamily="34" charset="-127"/>
                 <a:ea typeface="Noto Sans KR Medium" panose="020B0600000000000000" pitchFamily="34" charset="-127"/>
               </a:rPr>
-              <a:t>개발 기간</a:t>
-            </a:r>
-          </a:p>
-        </p:txBody>
-      </p:sp>
-      <p:pic>
-        <p:nvPicPr>
-          <p:cNvPr id="5" name="그림 4">
-            <a:extLst>
-              <a:ext uri="{FF2B5EF4-FFF2-40B4-BE49-F238E27FC236}">
-                <a16:creationId xmlns:a16="http://schemas.microsoft.com/office/drawing/2014/main" id="{337B7491-9905-4879-9B2F-B549D6B4D378}"/>
-              </a:ext>
-            </a:extLst>
-          </p:cNvPr>
-          <p:cNvPicPr>
-            <a:picLocks noChangeAspect="1"/>
-          </p:cNvPicPr>
-          <p:nvPr/>
-        </p:nvPicPr>
-        <p:blipFill>
-          <a:blip r:embed="rId2"/>
-          <a:stretch>
-            <a:fillRect/>
-          </a:stretch>
-        </p:blipFill>
-        <p:spPr>
-          <a:xfrm>
-            <a:off x="2994707" y="2016370"/>
-            <a:ext cx="6202585" cy="3731846"/>
-          </a:xfrm>
-          <a:prstGeom prst="rect">
-            <a:avLst/>
-          </a:prstGeom>
-        </p:spPr>
-      </p:pic>
+              <a:t>개발 중 사연</a:t>
+            </a:r>
+          </a:p>
+        </p:txBody>
+      </p:sp>
       <p:sp>
         <p:nvSpPr>
           <p:cNvPr id="6" name="제목 1">
@@ -6000,6 +5992,66 @@
           </a:p>
         </p:txBody>
       </p:sp>
+      <p:pic>
+        <p:nvPicPr>
+          <p:cNvPr id="4" name="그림 3">
+            <a:extLst>
+              <a:ext uri="{FF2B5EF4-FFF2-40B4-BE49-F238E27FC236}">
+                <a16:creationId xmlns:a16="http://schemas.microsoft.com/office/drawing/2014/main" id="{A221D837-8D67-49CE-A282-B65A1447CA29}"/>
+              </a:ext>
+            </a:extLst>
+          </p:cNvPr>
+          <p:cNvPicPr>
+            <a:picLocks noChangeAspect="1"/>
+          </p:cNvPicPr>
+          <p:nvPr/>
+        </p:nvPicPr>
+        <p:blipFill>
+          <a:blip r:embed="rId2"/>
+          <a:stretch>
+            <a:fillRect/>
+          </a:stretch>
+        </p:blipFill>
+        <p:spPr>
+          <a:xfrm>
+            <a:off x="1689098" y="1818173"/>
+            <a:ext cx="4601743" cy="3898251"/>
+          </a:xfrm>
+          <a:prstGeom prst="rect">
+            <a:avLst/>
+          </a:prstGeom>
+        </p:spPr>
+      </p:pic>
+      <p:pic>
+        <p:nvPicPr>
+          <p:cNvPr id="5" name="그림 4">
+            <a:extLst>
+              <a:ext uri="{FF2B5EF4-FFF2-40B4-BE49-F238E27FC236}">
+                <a16:creationId xmlns:a16="http://schemas.microsoft.com/office/drawing/2014/main" id="{337B7491-9905-4879-9B2F-B549D6B4D378}"/>
+              </a:ext>
+            </a:extLst>
+          </p:cNvPr>
+          <p:cNvPicPr>
+            <a:picLocks noChangeAspect="1"/>
+          </p:cNvPicPr>
+          <p:nvPr/>
+        </p:nvPicPr>
+        <p:blipFill>
+          <a:blip r:embed="rId3"/>
+          <a:stretch>
+            <a:fillRect/>
+          </a:stretch>
+        </p:blipFill>
+        <p:spPr>
+          <a:xfrm>
+            <a:off x="4178762" y="1563077"/>
+            <a:ext cx="6202585" cy="3731846"/>
+          </a:xfrm>
+          <a:prstGeom prst="rect">
+            <a:avLst/>
+          </a:prstGeom>
+        </p:spPr>
+      </p:pic>
     </p:spTree>
     <p:extLst>
       <p:ext uri="{BB962C8B-B14F-4D97-AF65-F5344CB8AC3E}">
@@ -6032,6 +6084,182 @@
       </p:grpSpPr>
       <p:sp>
         <p:nvSpPr>
+          <p:cNvPr id="2" name="제목 1">
+            <a:extLst>
+              <a:ext uri="{FF2B5EF4-FFF2-40B4-BE49-F238E27FC236}">
+                <a16:creationId xmlns:a16="http://schemas.microsoft.com/office/drawing/2014/main" id="{77A7CBBC-8A33-4A4A-9191-991FC10907B6}"/>
+              </a:ext>
+            </a:extLst>
+          </p:cNvPr>
+          <p:cNvSpPr>
+            <a:spLocks noGrp="1"/>
+          </p:cNvSpPr>
+          <p:nvPr>
+            <p:ph type="title"/>
+          </p:nvPr>
+        </p:nvSpPr>
+        <p:spPr/>
+        <p:txBody>
+          <a:bodyPr/>
+          <a:lstStyle/>
+          <a:p>
+            <a:pPr algn="l"/>
+            <a:r>
+              <a:rPr lang="ko-KR" altLang="en-US" b="1" dirty="0">
+                <a:latin typeface="Noto Sans KR Medium" panose="020B0600000000000000" pitchFamily="34" charset="-127"/>
+                <a:ea typeface="Noto Sans KR Medium" panose="020B0600000000000000" pitchFamily="34" charset="-127"/>
+              </a:rPr>
+              <a:t>개발 </a:t>
+            </a:r>
+            <a:r>
+              <a:rPr lang="ko-KR" altLang="en-US" b="1" dirty="0" err="1">
+                <a:latin typeface="Noto Sans KR Medium" panose="020B0600000000000000" pitchFamily="34" charset="-127"/>
+                <a:ea typeface="Noto Sans KR Medium" panose="020B0600000000000000" pitchFamily="34" charset="-127"/>
+              </a:rPr>
+              <a:t>중사연</a:t>
+            </a:r>
+            <a:endParaRPr lang="ko-KR" altLang="en-US" b="1" dirty="0">
+              <a:latin typeface="Noto Sans KR Medium" panose="020B0600000000000000" pitchFamily="34" charset="-127"/>
+              <a:ea typeface="Noto Sans KR Medium" panose="020B0600000000000000" pitchFamily="34" charset="-127"/>
+            </a:endParaRPr>
+          </a:p>
+        </p:txBody>
+      </p:sp>
+      <p:sp>
+        <p:nvSpPr>
+          <p:cNvPr id="6" name="제목 1">
+            <a:extLst>
+              <a:ext uri="{FF2B5EF4-FFF2-40B4-BE49-F238E27FC236}">
+                <a16:creationId xmlns:a16="http://schemas.microsoft.com/office/drawing/2014/main" id="{1D31BF79-852C-4A8D-8192-4D5FB18AE5ED}"/>
+              </a:ext>
+            </a:extLst>
+          </p:cNvPr>
+          <p:cNvSpPr txBox="1">
+            <a:spLocks/>
+          </p:cNvSpPr>
+          <p:nvPr/>
+        </p:nvSpPr>
+        <p:spPr>
+          <a:xfrm>
+            <a:off x="2116833" y="5879301"/>
+            <a:ext cx="7958331" cy="896637"/>
+          </a:xfrm>
+          <a:prstGeom prst="rect">
+            <a:avLst/>
+          </a:prstGeom>
+        </p:spPr>
+        <p:txBody>
+          <a:bodyPr vert="horz" lIns="91440" tIns="45720" rIns="91440" bIns="45720" rtlCol="0" anchor="t">
+            <a:normAutofit/>
+          </a:bodyPr>
+          <a:lstStyle>
+            <a:lvl1pPr algn="r" defTabSz="914400" rtl="0" eaLnBrk="1" latinLnBrk="1" hangingPunct="1">
+              <a:lnSpc>
+                <a:spcPct val="90000"/>
+              </a:lnSpc>
+              <a:spcBef>
+                <a:spcPct val="0"/>
+              </a:spcBef>
+              <a:buNone/>
+              <a:defRPr sz="3400" b="0" i="0" kern="1200" cap="none">
+                <a:solidFill>
+                  <a:schemeClr val="tx1"/>
+                </a:solidFill>
+                <a:effectLst/>
+                <a:latin typeface="+mj-lt"/>
+                <a:ea typeface="+mj-ea"/>
+                <a:cs typeface="+mj-cs"/>
+              </a:defRPr>
+            </a:lvl1pPr>
+          </a:lstStyle>
+          <a:p>
+            <a:pPr algn="ctr"/>
+            <a:r>
+              <a:rPr lang="en-US" altLang="ko-KR" sz="2000" dirty="0">
+                <a:latin typeface="Noto Sans KR Medium" panose="020B0600000000000000" pitchFamily="34" charset="-127"/>
+                <a:ea typeface="Noto Sans KR Medium" panose="020B0600000000000000" pitchFamily="34" charset="-127"/>
+              </a:rPr>
+              <a:t>(</a:t>
+            </a:r>
+            <a:r>
+              <a:rPr lang="ko-KR" altLang="en-US" sz="2000" dirty="0">
+                <a:latin typeface="Noto Sans KR Medium" panose="020B0600000000000000" pitchFamily="34" charset="-127"/>
+                <a:ea typeface="Noto Sans KR Medium" panose="020B0600000000000000" pitchFamily="34" charset="-127"/>
+              </a:rPr>
+              <a:t>진짜 고맙다</a:t>
+            </a:r>
+            <a:r>
+              <a:rPr lang="en-US" altLang="ko-KR" sz="2000" dirty="0">
+                <a:latin typeface="Noto Sans KR Medium" panose="020B0600000000000000" pitchFamily="34" charset="-127"/>
+                <a:ea typeface="Noto Sans KR Medium" panose="020B0600000000000000" pitchFamily="34" charset="-127"/>
+              </a:rPr>
+              <a:t>)</a:t>
+            </a:r>
+          </a:p>
+        </p:txBody>
+      </p:sp>
+      <p:pic>
+        <p:nvPicPr>
+          <p:cNvPr id="7" name="그림 6">
+            <a:extLst>
+              <a:ext uri="{FF2B5EF4-FFF2-40B4-BE49-F238E27FC236}">
+                <a16:creationId xmlns:a16="http://schemas.microsoft.com/office/drawing/2014/main" id="{0BAF8991-54E3-4C41-9B33-88A45A67D1BE}"/>
+              </a:ext>
+            </a:extLst>
+          </p:cNvPr>
+          <p:cNvPicPr>
+            <a:picLocks noChangeAspect="1"/>
+          </p:cNvPicPr>
+          <p:nvPr/>
+        </p:nvPicPr>
+        <p:blipFill>
+          <a:blip r:embed="rId2"/>
+          <a:stretch>
+            <a:fillRect/>
+          </a:stretch>
+        </p:blipFill>
+        <p:spPr>
+          <a:xfrm>
+            <a:off x="3280843" y="1633314"/>
+            <a:ext cx="5630310" cy="3591372"/>
+          </a:xfrm>
+          <a:prstGeom prst="rect">
+            <a:avLst/>
+          </a:prstGeom>
+        </p:spPr>
+      </p:pic>
+    </p:spTree>
+    <p:extLst>
+      <p:ext uri="{BB962C8B-B14F-4D97-AF65-F5344CB8AC3E}">
+        <p14:creationId xmlns:p14="http://schemas.microsoft.com/office/powerpoint/2010/main" val="3963087035"/>
+      </p:ext>
+    </p:extLst>
+  </p:cSld>
+  <p:clrMapOvr>
+    <a:masterClrMapping/>
+  </p:clrMapOvr>
+</p:sld>
+</file>
+
+<file path=ppt/slides/slide9.xml><?xml version="1.0" encoding="utf-8"?>
+<p:sld xmlns:a="http://schemas.openxmlformats.org/drawingml/2006/main" xmlns:r="http://schemas.openxmlformats.org/officeDocument/2006/relationships" xmlns:p="http://schemas.openxmlformats.org/presentationml/2006/main">
+  <p:cSld>
+    <p:spTree>
+      <p:nvGrpSpPr>
+        <p:cNvPr id="1" name=""/>
+        <p:cNvGrpSpPr/>
+        <p:nvPr/>
+      </p:nvGrpSpPr>
+      <p:grpSpPr>
+        <a:xfrm>
+          <a:off x="0" y="0"/>
+          <a:ext cx="0" cy="0"/>
+          <a:chOff x="0" y="0"/>
+          <a:chExt cx="0" cy="0"/>
+        </a:xfrm>
+      </p:grpSpPr>
+      <p:sp>
+        <p:nvSpPr>
           <p:cNvPr id="7" name="직사각형 6">
             <a:extLst>
               <a:ext uri="{FF2B5EF4-FFF2-40B4-BE49-F238E27FC236}">
@@ -6096,8 +6324,8 @@
         </p:nvSpPr>
         <p:spPr>
           <a:xfrm>
-            <a:off x="3595956" y="2644170"/>
-            <a:ext cx="5000087" cy="1569660"/>
+            <a:off x="3994302" y="2828835"/>
+            <a:ext cx="4203395" cy="1200329"/>
           </a:xfrm>
           <a:prstGeom prst="rect">
             <a:avLst/>
@@ -6110,8 +6338,9 @@
           </a:bodyPr>
           <a:lstStyle/>
           <a:p>
-            <a:r>
-              <a:rPr lang="ko-KR" altLang="en-US" sz="9600" dirty="0">
+            <a:pPr algn="ctr"/>
+            <a:r>
+              <a:rPr lang="ko-KR" altLang="en-US" sz="7200" b="1" dirty="0">
                 <a:latin typeface="Noto Sans KR Black" panose="020B0A00000000000000" pitchFamily="34" charset="-127"/>
                 <a:ea typeface="Noto Sans KR Black" panose="020B0A00000000000000" pitchFamily="34" charset="-127"/>
               </a:rPr>
